--- a/PYTHON WORKSHOP(1).pptx
+++ b/PYTHON WORKSHOP(1).pptx
@@ -5,7 +5,7 @@
     <p:sldMasterId id="2147483659" r:id="rId1"/>
   </p:sldMasterIdLst>
   <p:notesMasterIdLst>
-    <p:notesMasterId r:id="rId15"/>
+    <p:notesMasterId r:id="rId16"/>
   </p:notesMasterIdLst>
   <p:sldIdLst>
     <p:sldId id="256" r:id="rId2"/>
@@ -15,22 +15,23 @@
     <p:sldId id="260" r:id="rId6"/>
     <p:sldId id="261" r:id="rId7"/>
     <p:sldId id="262" r:id="rId8"/>
-    <p:sldId id="263" r:id="rId9"/>
-    <p:sldId id="264" r:id="rId10"/>
-    <p:sldId id="265" r:id="rId11"/>
-    <p:sldId id="266" r:id="rId12"/>
-    <p:sldId id="267" r:id="rId13"/>
-    <p:sldId id="268" r:id="rId14"/>
+    <p:sldId id="269" r:id="rId9"/>
+    <p:sldId id="263" r:id="rId10"/>
+    <p:sldId id="264" r:id="rId11"/>
+    <p:sldId id="265" r:id="rId12"/>
+    <p:sldId id="266" r:id="rId13"/>
+    <p:sldId id="267" r:id="rId14"/>
+    <p:sldId id="268" r:id="rId15"/>
   </p:sldIdLst>
   <p:sldSz cx="9144000" cy="5143500" type="screen16x9"/>
   <p:notesSz cx="6858000" cy="9144000"/>
   <p:embeddedFontLst>
     <p:embeddedFont>
       <p:font typeface="Roboto" charset="0"/>
-      <p:regular r:id="rId16"/>
-      <p:bold r:id="rId17"/>
-      <p:italic r:id="rId18"/>
-      <p:boldItalic r:id="rId19"/>
+      <p:regular r:id="rId17"/>
+      <p:bold r:id="rId18"/>
+      <p:italic r:id="rId19"/>
+      <p:boldItalic r:id="rId20"/>
     </p:embeddedFont>
   </p:embeddedFontLst>
   <p:defaultTextStyle>
@@ -1669,7 +1670,7 @@
         </p:nvSpPr>
         <p:spPr>
           <a:xfrm>
-            <a:off x="381300" y="685800"/>
+            <a:off x="381000" y="685800"/>
             <a:ext cx="6096000" cy="3429000"/>
           </a:xfrm>
           <a:custGeom>
@@ -1773,7 +1774,7 @@
         </p:nvSpPr>
         <p:spPr>
           <a:xfrm>
-            <a:off x="381300" y="685800"/>
+            <a:off x="381000" y="685800"/>
             <a:ext cx="6096000" cy="3429000"/>
           </a:xfrm>
           <a:custGeom>
@@ -8317,6 +8318,225 @@
   <p:cSld>
     <p:spTree>
       <p:nvGrpSpPr>
+        <p:cNvPr id="1" name="Shape 114"/>
+        <p:cNvGrpSpPr/>
+        <p:nvPr/>
+      </p:nvGrpSpPr>
+      <p:grpSpPr>
+        <a:xfrm>
+          <a:off x="0" y="0"/>
+          <a:ext cx="0" cy="0"/>
+          <a:chOff x="0" y="0"/>
+          <a:chExt cx="0" cy="0"/>
+        </a:xfrm>
+      </p:grpSpPr>
+      <p:sp>
+        <p:nvSpPr>
+          <p:cNvPr id="115" name="Google Shape;115;p21"/>
+          <p:cNvSpPr txBox="1">
+            <a:spLocks noGrp="1"/>
+          </p:cNvSpPr>
+          <p:nvPr>
+            <p:ph type="title"/>
+          </p:nvPr>
+        </p:nvSpPr>
+        <p:spPr>
+          <a:xfrm>
+            <a:off x="471900" y="738725"/>
+            <a:ext cx="8222100" cy="767700"/>
+          </a:xfrm>
+          <a:prstGeom prst="rect">
+            <a:avLst/>
+          </a:prstGeom>
+        </p:spPr>
+        <p:txBody>
+          <a:bodyPr spcFirstLastPara="1" wrap="square" lIns="91425" tIns="91425" rIns="91425" bIns="91425" anchor="b" anchorCtr="0">
+            <a:noAutofit/>
+          </a:bodyPr>
+          <a:lstStyle/>
+          <a:p>
+            <a:pPr marL="0" lvl="0" indent="0" algn="l" rtl="0">
+              <a:spcBef>
+                <a:spcPts val="0"/>
+              </a:spcBef>
+              <a:spcAft>
+                <a:spcPts val="0"/>
+              </a:spcAft>
+              <a:buNone/>
+            </a:pPr>
+            <a:r>
+              <a:rPr lang="en" sz="3500" b="1" i="1">
+                <a:solidFill>
+                  <a:schemeClr val="dk2"/>
+                </a:solidFill>
+              </a:rPr>
+              <a:t>REQUIRMENTS :</a:t>
+            </a:r>
+            <a:endParaRPr sz="3500" b="1" i="1">
+              <a:solidFill>
+                <a:schemeClr val="dk2"/>
+              </a:solidFill>
+            </a:endParaRPr>
+          </a:p>
+        </p:txBody>
+      </p:sp>
+      <p:sp>
+        <p:nvSpPr>
+          <p:cNvPr id="116" name="Google Shape;116;p21"/>
+          <p:cNvSpPr txBox="1">
+            <a:spLocks noGrp="1"/>
+          </p:cNvSpPr>
+          <p:nvPr>
+            <p:ph type="body" idx="1"/>
+          </p:nvPr>
+        </p:nvSpPr>
+        <p:spPr>
+          <a:xfrm>
+            <a:off x="471900" y="1919075"/>
+            <a:ext cx="8222100" cy="767700"/>
+          </a:xfrm>
+          <a:prstGeom prst="rect">
+            <a:avLst/>
+          </a:prstGeom>
+        </p:spPr>
+        <p:txBody>
+          <a:bodyPr spcFirstLastPara="1" wrap="square" lIns="91425" tIns="91425" rIns="91425" bIns="91425" anchor="t" anchorCtr="0">
+            <a:noAutofit/>
+          </a:bodyPr>
+          <a:lstStyle/>
+          <a:p>
+            <a:pPr marL="0" lvl="0" indent="0" algn="l" rtl="0">
+              <a:spcBef>
+                <a:spcPts val="0"/>
+              </a:spcBef>
+              <a:spcAft>
+                <a:spcPts val="1600"/>
+              </a:spcAft>
+              <a:buNone/>
+            </a:pPr>
+            <a:r>
+              <a:rPr lang="en" sz="3300" b="1" i="1"/>
+              <a:t>             Thonny editor</a:t>
+            </a:r>
+            <a:endParaRPr sz="3300" b="1" i="1"/>
+          </a:p>
+        </p:txBody>
+      </p:sp>
+      <p:sp>
+        <p:nvSpPr>
+          <p:cNvPr id="117" name="Google Shape;117;p21"/>
+          <p:cNvSpPr txBox="1"/>
+          <p:nvPr/>
+        </p:nvSpPr>
+        <p:spPr>
+          <a:xfrm>
+            <a:off x="720704" y="2686775"/>
+            <a:ext cx="7315200" cy="853500"/>
+          </a:xfrm>
+          <a:prstGeom prst="rect">
+            <a:avLst/>
+          </a:prstGeom>
+          <a:noFill/>
+          <a:ln>
+            <a:noFill/>
+          </a:ln>
+        </p:spPr>
+        <p:txBody>
+          <a:bodyPr spcFirstLastPara="1" wrap="square" lIns="91425" tIns="91425" rIns="91425" bIns="91425" anchor="t" anchorCtr="0">
+            <a:noAutofit/>
+          </a:bodyPr>
+          <a:lstStyle/>
+          <a:p>
+            <a:pPr marL="0" lvl="0" indent="0" algn="l" rtl="0">
+              <a:spcBef>
+                <a:spcPts val="0"/>
+              </a:spcBef>
+              <a:spcAft>
+                <a:spcPts val="0"/>
+              </a:spcAft>
+              <a:buNone/>
+            </a:pPr>
+            <a:r>
+              <a:rPr lang="en" sz="3200" b="1"/>
+              <a:t>LANGUAGE :</a:t>
+            </a:r>
+            <a:endParaRPr sz="3200" b="1"/>
+          </a:p>
+        </p:txBody>
+      </p:sp>
+      <p:sp>
+        <p:nvSpPr>
+          <p:cNvPr id="118" name="Google Shape;118;p21"/>
+          <p:cNvSpPr txBox="1"/>
+          <p:nvPr/>
+        </p:nvSpPr>
+        <p:spPr>
+          <a:xfrm>
+            <a:off x="1135413" y="3540275"/>
+            <a:ext cx="7315200" cy="853500"/>
+          </a:xfrm>
+          <a:prstGeom prst="rect">
+            <a:avLst/>
+          </a:prstGeom>
+          <a:noFill/>
+          <a:ln>
+            <a:noFill/>
+          </a:ln>
+        </p:spPr>
+        <p:txBody>
+          <a:bodyPr spcFirstLastPara="1" wrap="square" lIns="91425" tIns="91425" rIns="91425" bIns="91425" anchor="t" anchorCtr="0">
+            <a:noAutofit/>
+          </a:bodyPr>
+          <a:lstStyle/>
+          <a:p>
+            <a:pPr marL="0" lvl="0" indent="0" algn="l" rtl="0">
+              <a:spcBef>
+                <a:spcPts val="0"/>
+              </a:spcBef>
+              <a:spcAft>
+                <a:spcPts val="0"/>
+              </a:spcAft>
+              <a:buNone/>
+            </a:pPr>
+            <a:r>
+              <a:rPr lang="en" sz="3200" b="1">
+                <a:solidFill>
+                  <a:srgbClr val="666666"/>
+                </a:solidFill>
+              </a:rPr>
+              <a:t>       Python</a:t>
+            </a:r>
+            <a:endParaRPr sz="3200" b="1">
+              <a:solidFill>
+                <a:srgbClr val="666666"/>
+              </a:solidFill>
+            </a:endParaRPr>
+          </a:p>
+        </p:txBody>
+      </p:sp>
+    </p:spTree>
+  </p:cSld>
+  <p:clrMapOvr>
+    <a:masterClrMapping/>
+  </p:clrMapOvr>
+  <p:transition spd="med">
+    <p:split/>
+  </p:transition>
+  <p:timing>
+    <p:tnLst>
+      <p:par>
+        <p:cTn id="1" dur="indefinite" restart="never" nodeType="tmRoot"/>
+      </p:par>
+    </p:tnLst>
+  </p:timing>
+</p:sld>
+</file>
+
+<file path=ppt/slides/slide11.xml><?xml version="1.0" encoding="utf-8"?>
+<p:sld xmlns:a="http://schemas.openxmlformats.org/drawingml/2006/main" xmlns:r="http://schemas.openxmlformats.org/officeDocument/2006/relationships" xmlns:p="http://schemas.openxmlformats.org/presentationml/2006/main">
+  <p:cSld>
+    <p:spTree>
+      <p:nvGrpSpPr>
         <p:cNvPr id="1" name="Shape 122"/>
         <p:cNvGrpSpPr/>
         <p:nvPr/>
@@ -8939,7 +9159,7 @@
 </p:sld>
 </file>
 
-<file path=ppt/slides/slide11.xml><?xml version="1.0" encoding="utf-8"?>
+<file path=ppt/slides/slide12.xml><?xml version="1.0" encoding="utf-8"?>
 <p:sld xmlns:a="http://schemas.openxmlformats.org/drawingml/2006/main" xmlns:r="http://schemas.openxmlformats.org/officeDocument/2006/relationships" xmlns:p="http://schemas.openxmlformats.org/presentationml/2006/main">
   <p:cSld>
     <p:spTree>
@@ -9415,7 +9635,7 @@
 </p:sld>
 </file>
 
-<file path=ppt/slides/slide12.xml><?xml version="1.0" encoding="utf-8"?>
+<file path=ppt/slides/slide13.xml><?xml version="1.0" encoding="utf-8"?>
 <p:sld xmlns:a="http://schemas.openxmlformats.org/drawingml/2006/main" xmlns:r="http://schemas.openxmlformats.org/officeDocument/2006/relationships" xmlns:p="http://schemas.openxmlformats.org/presentationml/2006/main">
   <p:cSld>
     <p:spTree>
@@ -9534,7 +9754,7 @@
 </p:sld>
 </file>
 
-<file path=ppt/slides/slide13.xml><?xml version="1.0" encoding="utf-8"?>
+<file path=ppt/slides/slide14.xml><?xml version="1.0" encoding="utf-8"?>
 <p:sld xmlns:a="http://schemas.openxmlformats.org/drawingml/2006/main" xmlns:r="http://schemas.openxmlformats.org/officeDocument/2006/relationships" xmlns:p="http://schemas.openxmlformats.org/presentationml/2006/main">
   <p:cSld>
     <p:spTree>
@@ -10440,7 +10660,26 @@
               </a:spcAft>
               <a:buNone/>
             </a:pPr>
-            <a:endParaRPr/>
+            <a:r>
+              <a:rPr lang="en-US" dirty="0" smtClean="0"/>
+              <a:t>MISS.SUBHASHINI U</a:t>
+            </a:r>
+          </a:p>
+          <a:p>
+            <a:pPr marL="0" lvl="0" indent="0" algn="l" rtl="0">
+              <a:spcBef>
+                <a:spcPts val="0"/>
+              </a:spcBef>
+              <a:spcAft>
+                <a:spcPts val="1600"/>
+              </a:spcAft>
+              <a:buNone/>
+            </a:pPr>
+            <a:r>
+              <a:rPr lang="en-US" dirty="0" smtClean="0"/>
+              <a:t>(ASSOCIATE KGISL GSS)</a:t>
+            </a:r>
+            <a:endParaRPr dirty="0"/>
           </a:p>
         </p:txBody>
       </p:sp>
@@ -10549,7 +10788,7 @@
         </p:nvSpPr>
         <p:spPr>
           <a:xfrm>
-            <a:off x="311700" y="1727100"/>
+            <a:off x="304800" y="1581150"/>
             <a:ext cx="8520600" cy="3416400"/>
           </a:xfrm>
           <a:prstGeom prst="rect">
@@ -10572,10 +10811,10 @@
               <a:buNone/>
             </a:pPr>
             <a:r>
-              <a:rPr lang="en" sz="1900" b="1" i="1"/>
+              <a:rPr lang="en" sz="1900" b="1" i="1" dirty="0"/>
               <a:t>The project is about creating a password using python program.In today's world passwords are commonly used for the verification of thier identity.In this case people have to think too much for the unique and secure password.For this problem password generator is used.Its about creating a password containing characters,digits and special characters.This password generator will create a password in three cases light,middle or strong.Our main objective is to create a password generator which satisfies the user condition like adding specified data to the password like strings.The data will add in the start,middle or end of the password according to the user condition.This password generator will create a unique and secure password.</a:t>
             </a:r>
-            <a:endParaRPr sz="1900" b="1" i="1"/>
+            <a:endParaRPr sz="1900" b="1" i="1" dirty="0"/>
           </a:p>
         </p:txBody>
       </p:sp>
@@ -10598,6 +10837,111 @@
 </file>
 
 <file path=ppt/slides/slide8.xml><?xml version="1.0" encoding="utf-8"?>
+<p:sld xmlns:a="http://schemas.openxmlformats.org/drawingml/2006/main" xmlns:r="http://schemas.openxmlformats.org/officeDocument/2006/relationships" xmlns:p="http://schemas.openxmlformats.org/presentationml/2006/main">
+  <p:cSld>
+    <p:spTree>
+      <p:nvGrpSpPr>
+        <p:cNvPr id="1" name=""/>
+        <p:cNvGrpSpPr/>
+        <p:nvPr/>
+      </p:nvGrpSpPr>
+      <p:grpSpPr>
+        <a:xfrm>
+          <a:off x="0" y="0"/>
+          <a:ext cx="0" cy="0"/>
+          <a:chOff x="0" y="0"/>
+          <a:chExt cx="0" cy="0"/>
+        </a:xfrm>
+      </p:grpSpPr>
+      <p:sp>
+        <p:nvSpPr>
+          <p:cNvPr id="2" name="Title 1"/>
+          <p:cNvSpPr>
+            <a:spLocks noGrp="1"/>
+          </p:cNvSpPr>
+          <p:nvPr>
+            <p:ph type="title"/>
+          </p:nvPr>
+        </p:nvSpPr>
+        <p:spPr/>
+        <p:txBody>
+          <a:bodyPr/>
+          <a:lstStyle/>
+          <a:p>
+            <a:endParaRPr lang="en-IN" dirty="0"/>
+          </a:p>
+        </p:txBody>
+      </p:sp>
+      <p:sp>
+        <p:nvSpPr>
+          <p:cNvPr id="3" name="Text Placeholder 2"/>
+          <p:cNvSpPr>
+            <a:spLocks noGrp="1"/>
+          </p:cNvSpPr>
+          <p:nvPr>
+            <p:ph type="body" idx="1"/>
+          </p:nvPr>
+        </p:nvSpPr>
+        <p:spPr/>
+        <p:txBody>
+          <a:bodyPr/>
+          <a:lstStyle/>
+          <a:p>
+            <a:endParaRPr lang="en-IN" dirty="0"/>
+          </a:p>
+        </p:txBody>
+      </p:sp>
+      <p:pic>
+        <p:nvPicPr>
+          <p:cNvPr id="1026" name="Picture 2"/>
+          <p:cNvPicPr>
+            <a:picLocks noChangeAspect="1" noChangeArrowheads="1"/>
+          </p:cNvPicPr>
+          <p:nvPr/>
+        </p:nvPicPr>
+        <p:blipFill>
+          <a:blip r:embed="rId2"/>
+          <a:srcRect/>
+          <a:stretch>
+            <a:fillRect/>
+          </a:stretch>
+        </p:blipFill>
+        <p:spPr bwMode="auto">
+          <a:xfrm>
+            <a:off x="0" y="1257300"/>
+            <a:ext cx="9144000" cy="3886200"/>
+          </a:xfrm>
+          <a:prstGeom prst="rect">
+            <a:avLst/>
+          </a:prstGeom>
+          <a:noFill/>
+          <a:ln w="9525">
+            <a:noFill/>
+            <a:miter lim="800000"/>
+            <a:headEnd/>
+            <a:tailEnd/>
+          </a:ln>
+        </p:spPr>
+      </p:pic>
+    </p:spTree>
+  </p:cSld>
+  <p:clrMapOvr>
+    <a:masterClrMapping/>
+  </p:clrMapOvr>
+  <p:transition>
+    <p:checker/>
+  </p:transition>
+  <p:timing>
+    <p:tnLst>
+      <p:par>
+        <p:cTn id="1" dur="indefinite" restart="never" nodeType="tmRoot"/>
+      </p:par>
+    </p:tnLst>
+  </p:timing>
+</p:sld>
+</file>
+
+<file path=ppt/slides/slide9.xml><?xml version="1.0" encoding="utf-8"?>
 <p:sld xmlns:a="http://schemas.openxmlformats.org/drawingml/2006/main" xmlns:r="http://schemas.openxmlformats.org/officeDocument/2006/relationships" xmlns:p="http://schemas.openxmlformats.org/presentationml/2006/main">
   <p:cSld>
     <p:spTree>
@@ -10792,225 +11136,6 @@
               <a:t>Generate a password</a:t>
             </a:r>
             <a:endParaRPr dirty="0"/>
-          </a:p>
-        </p:txBody>
-      </p:sp>
-    </p:spTree>
-  </p:cSld>
-  <p:clrMapOvr>
-    <a:masterClrMapping/>
-  </p:clrMapOvr>
-  <p:transition spd="med">
-    <p:split/>
-  </p:transition>
-  <p:timing>
-    <p:tnLst>
-      <p:par>
-        <p:cTn id="1" dur="indefinite" restart="never" nodeType="tmRoot"/>
-      </p:par>
-    </p:tnLst>
-  </p:timing>
-</p:sld>
-</file>
-
-<file path=ppt/slides/slide9.xml><?xml version="1.0" encoding="utf-8"?>
-<p:sld xmlns:a="http://schemas.openxmlformats.org/drawingml/2006/main" xmlns:r="http://schemas.openxmlformats.org/officeDocument/2006/relationships" xmlns:p="http://schemas.openxmlformats.org/presentationml/2006/main">
-  <p:cSld>
-    <p:spTree>
-      <p:nvGrpSpPr>
-        <p:cNvPr id="1" name="Shape 114"/>
-        <p:cNvGrpSpPr/>
-        <p:nvPr/>
-      </p:nvGrpSpPr>
-      <p:grpSpPr>
-        <a:xfrm>
-          <a:off x="0" y="0"/>
-          <a:ext cx="0" cy="0"/>
-          <a:chOff x="0" y="0"/>
-          <a:chExt cx="0" cy="0"/>
-        </a:xfrm>
-      </p:grpSpPr>
-      <p:sp>
-        <p:nvSpPr>
-          <p:cNvPr id="115" name="Google Shape;115;p21"/>
-          <p:cNvSpPr txBox="1">
-            <a:spLocks noGrp="1"/>
-          </p:cNvSpPr>
-          <p:nvPr>
-            <p:ph type="title"/>
-          </p:nvPr>
-        </p:nvSpPr>
-        <p:spPr>
-          <a:xfrm>
-            <a:off x="471900" y="738725"/>
-            <a:ext cx="8222100" cy="767700"/>
-          </a:xfrm>
-          <a:prstGeom prst="rect">
-            <a:avLst/>
-          </a:prstGeom>
-        </p:spPr>
-        <p:txBody>
-          <a:bodyPr spcFirstLastPara="1" wrap="square" lIns="91425" tIns="91425" rIns="91425" bIns="91425" anchor="b" anchorCtr="0">
-            <a:noAutofit/>
-          </a:bodyPr>
-          <a:lstStyle/>
-          <a:p>
-            <a:pPr marL="0" lvl="0" indent="0" algn="l" rtl="0">
-              <a:spcBef>
-                <a:spcPts val="0"/>
-              </a:spcBef>
-              <a:spcAft>
-                <a:spcPts val="0"/>
-              </a:spcAft>
-              <a:buNone/>
-            </a:pPr>
-            <a:r>
-              <a:rPr lang="en" sz="3500" b="1" i="1">
-                <a:solidFill>
-                  <a:schemeClr val="dk2"/>
-                </a:solidFill>
-              </a:rPr>
-              <a:t>REQUIRMENTS :</a:t>
-            </a:r>
-            <a:endParaRPr sz="3500" b="1" i="1">
-              <a:solidFill>
-                <a:schemeClr val="dk2"/>
-              </a:solidFill>
-            </a:endParaRPr>
-          </a:p>
-        </p:txBody>
-      </p:sp>
-      <p:sp>
-        <p:nvSpPr>
-          <p:cNvPr id="116" name="Google Shape;116;p21"/>
-          <p:cNvSpPr txBox="1">
-            <a:spLocks noGrp="1"/>
-          </p:cNvSpPr>
-          <p:nvPr>
-            <p:ph type="body" idx="1"/>
-          </p:nvPr>
-        </p:nvSpPr>
-        <p:spPr>
-          <a:xfrm>
-            <a:off x="471900" y="1919075"/>
-            <a:ext cx="8222100" cy="767700"/>
-          </a:xfrm>
-          <a:prstGeom prst="rect">
-            <a:avLst/>
-          </a:prstGeom>
-        </p:spPr>
-        <p:txBody>
-          <a:bodyPr spcFirstLastPara="1" wrap="square" lIns="91425" tIns="91425" rIns="91425" bIns="91425" anchor="t" anchorCtr="0">
-            <a:noAutofit/>
-          </a:bodyPr>
-          <a:lstStyle/>
-          <a:p>
-            <a:pPr marL="0" lvl="0" indent="0" algn="l" rtl="0">
-              <a:spcBef>
-                <a:spcPts val="0"/>
-              </a:spcBef>
-              <a:spcAft>
-                <a:spcPts val="1600"/>
-              </a:spcAft>
-              <a:buNone/>
-            </a:pPr>
-            <a:r>
-              <a:rPr lang="en" sz="3300" b="1" i="1"/>
-              <a:t>             Thonny editor</a:t>
-            </a:r>
-            <a:endParaRPr sz="3300" b="1" i="1"/>
-          </a:p>
-        </p:txBody>
-      </p:sp>
-      <p:sp>
-        <p:nvSpPr>
-          <p:cNvPr id="117" name="Google Shape;117;p21"/>
-          <p:cNvSpPr txBox="1"/>
-          <p:nvPr/>
-        </p:nvSpPr>
-        <p:spPr>
-          <a:xfrm>
-            <a:off x="720704" y="2686775"/>
-            <a:ext cx="7315200" cy="853500"/>
-          </a:xfrm>
-          <a:prstGeom prst="rect">
-            <a:avLst/>
-          </a:prstGeom>
-          <a:noFill/>
-          <a:ln>
-            <a:noFill/>
-          </a:ln>
-        </p:spPr>
-        <p:txBody>
-          <a:bodyPr spcFirstLastPara="1" wrap="square" lIns="91425" tIns="91425" rIns="91425" bIns="91425" anchor="t" anchorCtr="0">
-            <a:noAutofit/>
-          </a:bodyPr>
-          <a:lstStyle/>
-          <a:p>
-            <a:pPr marL="0" lvl="0" indent="0" algn="l" rtl="0">
-              <a:spcBef>
-                <a:spcPts val="0"/>
-              </a:spcBef>
-              <a:spcAft>
-                <a:spcPts val="0"/>
-              </a:spcAft>
-              <a:buNone/>
-            </a:pPr>
-            <a:r>
-              <a:rPr lang="en" sz="3200" b="1"/>
-              <a:t>LANGUAGE :</a:t>
-            </a:r>
-            <a:endParaRPr sz="3200" b="1"/>
-          </a:p>
-        </p:txBody>
-      </p:sp>
-      <p:sp>
-        <p:nvSpPr>
-          <p:cNvPr id="118" name="Google Shape;118;p21"/>
-          <p:cNvSpPr txBox="1"/>
-          <p:nvPr/>
-        </p:nvSpPr>
-        <p:spPr>
-          <a:xfrm>
-            <a:off x="1135413" y="3540275"/>
-            <a:ext cx="7315200" cy="853500"/>
-          </a:xfrm>
-          <a:prstGeom prst="rect">
-            <a:avLst/>
-          </a:prstGeom>
-          <a:noFill/>
-          <a:ln>
-            <a:noFill/>
-          </a:ln>
-        </p:spPr>
-        <p:txBody>
-          <a:bodyPr spcFirstLastPara="1" wrap="square" lIns="91425" tIns="91425" rIns="91425" bIns="91425" anchor="t" anchorCtr="0">
-            <a:noAutofit/>
-          </a:bodyPr>
-          <a:lstStyle/>
-          <a:p>
-            <a:pPr marL="0" lvl="0" indent="0" algn="l" rtl="0">
-              <a:spcBef>
-                <a:spcPts val="0"/>
-              </a:spcBef>
-              <a:spcAft>
-                <a:spcPts val="0"/>
-              </a:spcAft>
-              <a:buNone/>
-            </a:pPr>
-            <a:r>
-              <a:rPr lang="en" sz="3200" b="1">
-                <a:solidFill>
-                  <a:srgbClr val="666666"/>
-                </a:solidFill>
-              </a:rPr>
-              <a:t>       Python</a:t>
-            </a:r>
-            <a:endParaRPr sz="3200" b="1">
-              <a:solidFill>
-                <a:srgbClr val="666666"/>
-              </a:solidFill>
-            </a:endParaRPr>
           </a:p>
         </p:txBody>
       </p:sp>
